--- a/lectures/lecture-07/Lecture-Live B00/Lecture 07 - Lecture.pptx
+++ b/lectures/lecture-07/Lecture-Live B00/Lecture 07 - Lecture.pptx
@@ -4905,7 +4905,7 @@
           <a:p>
             <a:r>
               <a:rPr lang="en-US" dirty="0"/>
-              <a:t>Quiz 6 due Wednesday @ </a:t>
+              <a:t>Quiz 7 due Wednesday @ </a:t>
             </a:r>
             <a:r>
               <a:rPr lang="en-US" dirty="0" err="1"/>
